--- a/milestone2/IV Presentation.pptx
+++ b/milestone2/IV Presentation.pptx
@@ -123,7 +123,7 @@
 <p1510:revInfo xmlns:a="http://schemas.openxmlformats.org/drawingml/2006/main" xmlns:r="http://schemas.openxmlformats.org/officeDocument/2006/relationships" xmlns:p1510="http://schemas.microsoft.com/office/powerpoint/2015/10/main">
   <p1510:revLst>
     <p1510:client id="{116B6174-C630-7E9E-C64C-EBD8AF415612}" v="162" dt="2022-07-27T15:18:21.781"/>
-    <p1510:client id="{B443222A-FE9B-4A30-8419-584E06F1F923}" v="783" dt="2022-07-27T15:32:49.590"/>
+    <p1510:client id="{B443222A-FE9B-4A30-8419-584E06F1F923}" v="808" dt="2022-07-27T15:37:15.393"/>
     <p1510:client id="{B7C67541-1E43-BB95-5642-1A8423B9454D}" v="363" dt="2022-07-27T15:32:20.419"/>
   </p1510:revLst>
 </p1510:revInfo>
@@ -5617,7 +5617,7 @@
           </a:lstStyle>
           <a:p>
             <a:r>
-              <a:rPr lang="en-US" dirty="0"/>
+              <a:rPr lang="en-US"/>
               <a:t>Click to edit Master title style</a:t>
             </a:r>
           </a:p>
@@ -5692,7 +5692,7 @@
           </a:lstStyle>
           <a:p>
             <a:r>
-              <a:rPr lang="en-US" dirty="0"/>
+              <a:rPr lang="en-US"/>
               <a:t>Click to edit Master subtitle style</a:t>
             </a:r>
           </a:p>
@@ -6239,7 +6239,7 @@
           <a:lstStyle/>
           <a:p>
             <a:r>
-              <a:rPr lang="en-US" dirty="0"/>
+              <a:rPr lang="en-US"/>
               <a:t>Click to edit Master title style</a:t>
             </a:r>
           </a:p>
@@ -6299,35 +6299,35 @@
           <a:p>
             <a:pPr lvl="0"/>
             <a:r>
-              <a:rPr lang="en-US" dirty="0"/>
+              <a:rPr lang="en-US"/>
               <a:t>Click to edit Master text styles</a:t>
             </a:r>
           </a:p>
           <a:p>
             <a:pPr lvl="1"/>
             <a:r>
-              <a:rPr lang="en-US" dirty="0"/>
+              <a:rPr lang="en-US"/>
               <a:t>Second level</a:t>
             </a:r>
           </a:p>
           <a:p>
             <a:pPr lvl="2"/>
             <a:r>
-              <a:rPr lang="en-US" dirty="0"/>
+              <a:rPr lang="en-US"/>
               <a:t>Third level</a:t>
             </a:r>
           </a:p>
           <a:p>
             <a:pPr lvl="3"/>
             <a:r>
-              <a:rPr lang="en-US" dirty="0"/>
+              <a:rPr lang="en-US"/>
               <a:t>Fourth level</a:t>
             </a:r>
           </a:p>
           <a:p>
             <a:pPr lvl="4"/>
             <a:r>
-              <a:rPr lang="en-US" dirty="0"/>
+              <a:rPr lang="en-US"/>
               <a:t>Fifth level</a:t>
             </a:r>
           </a:p>
@@ -6358,7 +6358,7 @@
               <a:rPr lang="en-US" smtClean="0"/>
               <a:t>7/27/2022</a:t>
             </a:fld>
-            <a:endParaRPr lang="en-US" dirty="0"/>
+            <a:endParaRPr lang="en-US"/>
           </a:p>
         </p:txBody>
       </p:sp>
@@ -6808,7 +6808,6 @@
               <a:rPr lang="en-US"/>
               <a:t>Fifth level</a:t>
             </a:r>
-            <a:endParaRPr lang="en-US" dirty="0"/>
           </a:p>
         </p:txBody>
       </p:sp>
@@ -7152,7 +7151,6 @@
               <a:rPr lang="en-US"/>
               <a:t>Fifth level</a:t>
             </a:r>
-            <a:endParaRPr lang="en-US" dirty="0"/>
           </a:p>
         </p:txBody>
       </p:sp>
@@ -8612,7 +8610,7 @@
           <a:lstStyle/>
           <a:p>
             <a:r>
-              <a:rPr lang="en-US" dirty="0"/>
+              <a:rPr lang="en-US"/>
               <a:t>Click to edit Master title style</a:t>
             </a:r>
           </a:p>
@@ -8651,35 +8649,35 @@
           <a:p>
             <a:pPr lvl="0"/>
             <a:r>
-              <a:rPr lang="en-US" dirty="0"/>
+              <a:rPr lang="en-US"/>
               <a:t>Click to edit Master text styles</a:t>
             </a:r>
           </a:p>
           <a:p>
             <a:pPr lvl="1"/>
             <a:r>
-              <a:rPr lang="en-US" dirty="0"/>
+              <a:rPr lang="en-US"/>
               <a:t>Second level</a:t>
             </a:r>
           </a:p>
           <a:p>
             <a:pPr lvl="2"/>
             <a:r>
-              <a:rPr lang="en-US" dirty="0"/>
+              <a:rPr lang="en-US"/>
               <a:t>Third level</a:t>
             </a:r>
           </a:p>
           <a:p>
             <a:pPr lvl="3"/>
             <a:r>
-              <a:rPr lang="en-US" dirty="0"/>
+              <a:rPr lang="en-US"/>
               <a:t>Fourth level</a:t>
             </a:r>
           </a:p>
           <a:p>
             <a:pPr lvl="4"/>
             <a:r>
-              <a:rPr lang="en-US" dirty="0"/>
+              <a:rPr lang="en-US"/>
               <a:t>Fifth level</a:t>
             </a:r>
           </a:p>
@@ -8773,7 +8771,7 @@
             </a:lvl1pPr>
           </a:lstStyle>
           <a:p>
-            <a:endParaRPr lang="en-US" dirty="0"/>
+            <a:endParaRPr lang="en-US"/>
           </a:p>
         </p:txBody>
       </p:sp>
@@ -9526,29 +9524,29 @@
           <a:p>
             <a:pPr algn="l"/>
             <a:r>
-              <a:rPr lang="en-SG" sz="2400"/>
+              <a:rPr lang="en-SG" sz="2400" b="0"/>
               <a:t>Team 8</a:t>
             </a:r>
           </a:p>
           <a:p>
             <a:pPr algn="l"/>
             <a:r>
-              <a:rPr lang="en-SG" sz="2400"/>
+              <a:rPr lang="en-SG" sz="2400" b="0"/>
               <a:t>Qi </a:t>
             </a:r>
             <a:r>
-              <a:rPr lang="en-SG" sz="2400" err="1"/>
+              <a:rPr lang="en-SG" sz="2400" b="0" err="1"/>
               <a:t>qi</a:t>
             </a:r>
             <a:r>
-              <a:rPr lang="en-SG" sz="2400"/>
+              <a:rPr lang="en-SG" sz="2400" b="0"/>
               <a:t>, Isaac, </a:t>
             </a:r>
             <a:r>
-              <a:rPr lang="en-SG" sz="2400" err="1"/>
+              <a:rPr lang="en-SG" sz="2400" b="0" err="1"/>
               <a:t>gideon</a:t>
             </a:r>
-            <a:endParaRPr lang="en-SG" sz="2400"/>
+            <a:endParaRPr lang="en-SG" sz="2400" b="0"/>
           </a:p>
         </p:txBody>
       </p:sp>
@@ -10088,8 +10086,8 @@
         </p:nvSpPr>
         <p:spPr>
           <a:xfrm>
-            <a:off x="668005" y="657225"/>
-            <a:ext cx="3230515" cy="3569822"/>
+            <a:off x="414005" y="859814"/>
+            <a:ext cx="3230515" cy="998855"/>
           </a:xfrm>
         </p:spPr>
         <p:txBody>
@@ -10217,7 +10215,7 @@
         </p:blipFill>
         <p:spPr>
           <a:xfrm>
-            <a:off x="7619832" y="2564928"/>
+            <a:off x="7580786" y="2818928"/>
             <a:ext cx="3987734" cy="1993866"/>
           </a:xfrm>
           <a:prstGeom prst="rect">
@@ -10247,7 +10245,7 @@
         </p:blipFill>
         <p:spPr>
           <a:xfrm>
-            <a:off x="6948529" y="5117699"/>
+            <a:off x="6973303" y="5290419"/>
             <a:ext cx="3395849" cy="1283223"/>
           </a:xfrm>
           <a:prstGeom prst="rect">
@@ -10282,7 +10280,7 @@
         </p:blipFill>
         <p:spPr bwMode="auto">
           <a:xfrm>
-            <a:off x="5993647" y="522622"/>
+            <a:off x="6298447" y="773722"/>
             <a:ext cx="3581006" cy="1673240"/>
           </a:xfrm>
           <a:prstGeom prst="rect">
@@ -11283,7 +11281,7 @@
         </p:blipFill>
         <p:spPr>
           <a:xfrm>
-            <a:off x="5812378" y="2999788"/>
+            <a:off x="5731716" y="3037888"/>
             <a:ext cx="5878004" cy="3172411"/>
           </a:xfrm>
           <a:prstGeom prst="rect">
@@ -11739,8 +11737,8 @@
         </p:nvSpPr>
         <p:spPr>
           <a:xfrm>
-            <a:off x="668005" y="657225"/>
-            <a:ext cx="3230515" cy="3569822"/>
+            <a:off x="302245" y="949640"/>
+            <a:ext cx="3446795" cy="1303655"/>
           </a:xfrm>
         </p:spPr>
         <p:txBody>
@@ -11751,7 +11749,7 @@
           <a:p>
             <a:pPr algn="ctr"/>
             <a:r>
-              <a:rPr lang="en-SG" sz="4100" b="1" i="0">
+              <a:rPr lang="en-SG" b="1" i="0">
                 <a:latin typeface="+mn-lt"/>
               </a:rPr>
               <a:t>Technologies used</a:t>
@@ -11815,10 +11813,10 @@
       </p:cxnSp>
       <p:pic>
         <p:nvPicPr>
-          <p:cNvPr id="68" name="Picture 68">
-            <a:extLst>
-              <a:ext uri="{FF2B5EF4-FFF2-40B4-BE49-F238E27FC236}">
-                <a16:creationId xmlns:a16="http://schemas.microsoft.com/office/drawing/2014/main" id="{24B02483-A863-3D51-0632-38A8BE4D7686}"/>
+          <p:cNvPr id="77" name="Picture 77" descr="Logo&#10;&#10;Description automatically generated">
+            <a:extLst>
+              <a:ext uri="{FF2B5EF4-FFF2-40B4-BE49-F238E27FC236}">
+                <a16:creationId xmlns:a16="http://schemas.microsoft.com/office/drawing/2014/main" id="{7A3813C1-14E5-AB48-1C6A-C0F9EE1A9303}"/>
               </a:ext>
             </a:extLst>
           </p:cNvPr>
@@ -11835,8 +11833,8 @@
         </p:blipFill>
         <p:spPr>
           <a:xfrm>
-            <a:off x="7705029" y="289467"/>
-            <a:ext cx="1994506" cy="2003165"/>
+            <a:off x="4774582" y="3777010"/>
+            <a:ext cx="1786054" cy="1804640"/>
           </a:xfrm>
           <a:prstGeom prst="rect">
             <a:avLst/>
@@ -11845,10 +11843,10 @@
       </p:pic>
       <p:pic>
         <p:nvPicPr>
-          <p:cNvPr id="77" name="Picture 77" descr="Logo&#10;&#10;Description automatically generated">
-            <a:extLst>
-              <a:ext uri="{FF2B5EF4-FFF2-40B4-BE49-F238E27FC236}">
-                <a16:creationId xmlns:a16="http://schemas.microsoft.com/office/drawing/2014/main" id="{7A3813C1-14E5-AB48-1C6A-C0F9EE1A9303}"/>
+          <p:cNvPr id="80" name="Picture 80" descr="Logo, company name&#10;&#10;Description automatically generated">
+            <a:extLst>
+              <a:ext uri="{FF2B5EF4-FFF2-40B4-BE49-F238E27FC236}">
+                <a16:creationId xmlns:a16="http://schemas.microsoft.com/office/drawing/2014/main" id="{B75C9736-9221-315A-924F-5997EA38DEE0}"/>
               </a:ext>
             </a:extLst>
           </p:cNvPr>
@@ -11865,8 +11863,8 @@
         </p:blipFill>
         <p:spPr>
           <a:xfrm>
-            <a:off x="5384182" y="2921619"/>
-            <a:ext cx="1786054" cy="1804640"/>
+            <a:off x="7990844" y="3987013"/>
+            <a:ext cx="3011292" cy="1543853"/>
           </a:xfrm>
           <a:prstGeom prst="rect">
             <a:avLst/>
@@ -11875,32 +11873,49 @@
       </p:pic>
       <p:pic>
         <p:nvPicPr>
-          <p:cNvPr id="80" name="Picture 80" descr="Logo, company name&#10;&#10;Description automatically generated">
-            <a:extLst>
-              <a:ext uri="{FF2B5EF4-FFF2-40B4-BE49-F238E27FC236}">
-                <a16:creationId xmlns:a16="http://schemas.microsoft.com/office/drawing/2014/main" id="{B75C9736-9221-315A-924F-5997EA38DEE0}"/>
+          <p:cNvPr id="2050" name="Picture 2" descr="GitHub - d3/d3-logo: D3 brand assets.">
+            <a:extLst>
+              <a:ext uri="{FF2B5EF4-FFF2-40B4-BE49-F238E27FC236}">
+                <a16:creationId xmlns:a16="http://schemas.microsoft.com/office/drawing/2014/main" id="{E37B2774-6FAB-6DB3-7977-4D601378A552}"/>
               </a:ext>
             </a:extLst>
           </p:cNvPr>
           <p:cNvPicPr>
-            <a:picLocks noChangeAspect="1"/>
+            <a:picLocks noChangeAspect="1" noChangeArrowheads="1"/>
           </p:cNvPicPr>
           <p:nvPr/>
         </p:nvPicPr>
         <p:blipFill>
-          <a:blip r:embed="rId4"/>
+          <a:blip r:embed="rId4">
+            <a:extLst>
+              <a:ext uri="{28A0092B-C50C-407E-A947-70E740481C1C}">
+                <a14:useLocalDpi xmlns:a14="http://schemas.microsoft.com/office/drawing/2010/main" val="0"/>
+              </a:ext>
+            </a:extLst>
+          </a:blip>
+          <a:srcRect/>
           <a:stretch>
             <a:fillRect/>
           </a:stretch>
         </p:blipFill>
-        <p:spPr>
+        <p:spPr bwMode="auto">
           <a:xfrm>
-            <a:off x="8037381" y="2953335"/>
-            <a:ext cx="3486614" cy="1787545"/>
+            <a:off x="6639404" y="949640"/>
+            <a:ext cx="2087733" cy="2087733"/>
           </a:xfrm>
           <a:prstGeom prst="rect">
             <a:avLst/>
           </a:prstGeom>
+          <a:noFill/>
+          <a:extLst>
+            <a:ext uri="{909E8E84-426E-40DD-AFC4-6F175D3DCCD1}">
+              <a14:hiddenFill xmlns:a14="http://schemas.microsoft.com/office/drawing/2010/main">
+                <a:solidFill>
+                  <a:srgbClr val="FFFFFF"/>
+                </a:solidFill>
+              </a14:hiddenFill>
+            </a:ext>
+          </a:extLst>
         </p:spPr>
       </p:pic>
     </p:spTree>
@@ -12894,12 +12909,12 @@
           <a:lstStyle/>
           <a:p>
             <a:r>
-              <a:rPr lang="en-SG" b="1" i="0">
+              <a:rPr lang="en-SG" b="1" i="0" dirty="0">
                 <a:latin typeface="+mn-lt"/>
               </a:rPr>
               <a:t>WORKLOAD Distribution </a:t>
             </a:r>
-            <a:endParaRPr lang="en-US"/>
+            <a:endParaRPr lang="en-US" dirty="0"/>
           </a:p>
         </p:txBody>
       </p:sp>
